--- a/output/slide04.pptx
+++ b/output/slide04.pptx
@@ -3154,7 +3154,7 @@
           <a:lstStyle/>
           <a:p>
             <a:r>
-              <a:rPr sz="4800" b="1">
+              <a:rPr sz="3600" b="1">
                 <a:latin typeface="Source Han Sans CN Bold"/>
               </a:rPr>
               <a:t>攻击者及被攻击资产分析</a:t>
@@ -3185,7 +3185,7 @@
           <a:lstStyle/>
           <a:p>
             <a:r>
-              <a:rPr sz="3600" b="1">
+              <a:rPr sz="2700" b="1">
                 <a:solidFill>
                   <a:srgbClr val="0A4275"/>
                 </a:solidFill>
